--- a/foo_cafe_hods_20180614.pptx
+++ b/foo_cafe_hods_20180614.pptx
@@ -683,134 +683,7 @@
           <a:bodyPr/>
           <a:lstStyle/>
           <a:p>
-            <a:r>
-              <a:rPr lang="sv-SE" dirty="0" err="1"/>
-              <a:t>Both</a:t>
-            </a:r>
-            <a:r>
-              <a:rPr lang="sv-SE" dirty="0"/>
-              <a:t> R and </a:t>
-            </a:r>
-            <a:r>
-              <a:rPr lang="sv-SE" dirty="0" err="1"/>
-              <a:t>Python</a:t>
-            </a:r>
-            <a:r>
-              <a:rPr lang="sv-SE" dirty="0"/>
-              <a:t> </a:t>
-            </a:r>
-            <a:r>
-              <a:rPr lang="sv-SE" dirty="0" err="1"/>
-              <a:t>have</a:t>
-            </a:r>
-            <a:r>
-              <a:rPr lang="sv-SE" dirty="0"/>
-              <a:t> </a:t>
-            </a:r>
-            <a:r>
-              <a:rPr lang="sv-SE" dirty="0" err="1"/>
-              <a:t>their</a:t>
-            </a:r>
-            <a:r>
-              <a:rPr lang="sv-SE" dirty="0"/>
-              <a:t> </a:t>
-            </a:r>
-            <a:r>
-              <a:rPr lang="sv-SE" dirty="0" err="1"/>
-              <a:t>advantages</a:t>
-            </a:r>
-            <a:r>
-              <a:rPr lang="sv-SE" dirty="0"/>
-              <a:t>, </a:t>
-            </a:r>
-            <a:r>
-              <a:rPr lang="sv-SE" dirty="0" err="1"/>
-              <a:t>knowing</a:t>
-            </a:r>
-            <a:r>
-              <a:rPr lang="sv-SE" dirty="0"/>
-              <a:t> </a:t>
-            </a:r>
-            <a:r>
-              <a:rPr lang="sv-SE" dirty="0" err="1"/>
-              <a:t>which</a:t>
-            </a:r>
-            <a:r>
-              <a:rPr lang="sv-SE" dirty="0"/>
-              <a:t> </a:t>
-            </a:r>
-            <a:r>
-              <a:rPr lang="sv-SE" dirty="0" err="1"/>
-              <a:t>helps</a:t>
-            </a:r>
-            <a:r>
-              <a:rPr lang="sv-SE" dirty="0"/>
-              <a:t> a Data Scientist </a:t>
-            </a:r>
-            <a:r>
-              <a:rPr lang="sv-SE" dirty="0" err="1"/>
-              <a:t>choosing</a:t>
-            </a:r>
-            <a:r>
-              <a:rPr lang="sv-SE" dirty="0"/>
-              <a:t> the optimal </a:t>
-            </a:r>
-            <a:r>
-              <a:rPr lang="sv-SE" dirty="0" err="1"/>
-              <a:t>tool</a:t>
-            </a:r>
-            <a:r>
-              <a:rPr lang="sv-SE" dirty="0"/>
-              <a:t> for </a:t>
-            </a:r>
-            <a:r>
-              <a:rPr lang="sv-SE" dirty="0" err="1"/>
-              <a:t>each</a:t>
-            </a:r>
-            <a:r>
-              <a:rPr lang="sv-SE" dirty="0"/>
-              <a:t> task. </a:t>
-            </a:r>
-            <a:r>
-              <a:rPr lang="sv-SE" dirty="0" err="1"/>
-              <a:t>Today</a:t>
-            </a:r>
-            <a:r>
-              <a:rPr lang="sv-SE" dirty="0"/>
-              <a:t> </a:t>
-            </a:r>
-            <a:r>
-              <a:rPr lang="sv-SE" dirty="0" err="1"/>
-              <a:t>I’ll</a:t>
-            </a:r>
-            <a:r>
-              <a:rPr lang="sv-SE" dirty="0"/>
-              <a:t> go </a:t>
-            </a:r>
-            <a:r>
-              <a:rPr lang="sv-SE" dirty="0" err="1"/>
-              <a:t>through</a:t>
-            </a:r>
-            <a:r>
-              <a:rPr lang="sv-SE" dirty="0"/>
-              <a:t> parts </a:t>
-            </a:r>
-            <a:r>
-              <a:rPr lang="sv-SE" dirty="0" err="1"/>
-              <a:t>of</a:t>
-            </a:r>
-            <a:r>
-              <a:rPr lang="sv-SE" dirty="0"/>
-              <a:t> the </a:t>
-            </a:r>
-            <a:r>
-              <a:rPr lang="sv-SE" dirty="0" err="1"/>
-              <a:t>tidyverse</a:t>
-            </a:r>
-            <a:r>
-              <a:rPr lang="sv-SE" dirty="0"/>
-              <a:t>.</a:t>
-            </a:r>
+            <a:endParaRPr lang="sv-SE" dirty="0"/>
           </a:p>
         </p:txBody>
       </p:sp>
@@ -6903,38 +6776,6 @@
 </file>
 
 <file path=customXml/item1.xml><?xml version="1.0" encoding="utf-8"?>
-<p:properties xmlns:p="http://schemas.microsoft.com/office/2006/metadata/properties" xmlns:xsi="http://www.w3.org/2001/XMLSchema-instance" xmlns:pc="http://schemas.microsoft.com/office/infopath/2007/PartnerControls">
-  <documentManagement>
-    <NGTagNote xmlns="8a1b4351-5a51-4d1b-a3ee-7fbf9bbf3e1c" xsi:nil="true"/>
-    <TaxKeywordTaxHTField xmlns="657dac50-e6b3-4d9a-aa14-99e727d68c56">
-      <Terms xmlns="http://schemas.microsoft.com/office/infopath/2007/PartnerControls"/>
-    </TaxKeywordTaxHTField>
-    <Description0 xmlns="8a1b4351-5a51-4d1b-a3ee-7fbf9bbf3e1c">Knightec PowerPoint template Eng</Description0>
-    <c47c4feb7d7c49288ca0866576b3e5f8 xmlns="8a1b4351-5a51-4d1b-a3ee-7fbf9bbf3e1c">
-      <Terms xmlns="http://schemas.microsoft.com/office/infopath/2007/PartnerControls"/>
-    </c47c4feb7d7c49288ca0866576b3e5f8>
-    <Owner xmlns="8a1b4351-5a51-4d1b-a3ee-7fbf9bbf3e1c">
-      <UserInfo>
-        <DisplayName>Mathias Båth</DisplayName>
-        <AccountId>36</AccountId>
-        <AccountType/>
-      </UserInfo>
-    </Owner>
-    <TaxCatchAll xmlns="657dac50-e6b3-4d9a-aa14-99e727d68c56"/>
-  </documentManagement>
-</p:properties>
-</file>
-
-<file path=customXml/item2.xml><?xml version="1.0" encoding="utf-8"?>
-<?mso-contentType ?>
-<FormTemplates xmlns="http://schemas.microsoft.com/sharepoint/v3/contenttype/forms">
-  <Display>DocumentLibraryForm</Display>
-  <Edit>DocumentLibraryForm</Edit>
-  <New>DocumentLibraryForm</New>
-</FormTemplates>
-</file>
-
-<file path=customXml/item3.xml><?xml version="1.0" encoding="utf-8"?>
 <ct:contentTypeSchema xmlns:ct="http://schemas.microsoft.com/office/2006/metadata/contentType" xmlns:ma="http://schemas.microsoft.com/office/2006/metadata/properties/metaAttributes" ct:_="" ma:_="" ma:contentTypeName="Document" ma:contentTypeID="0x0101000086E80CD0DF5645B00E7507B3A3F3E9" ma:contentTypeVersion="8" ma:contentTypeDescription="Create a new document." ma:contentTypeScope="" ma:versionID="7fec4460a72bb2abf99634d83610d3dc">
   <xsd:schema xmlns:xsd="http://www.w3.org/2001/XMLSchema" xmlns:xs="http://www.w3.org/2001/XMLSchema" xmlns:p="http://schemas.microsoft.com/office/2006/metadata/properties" xmlns:ns2="657dac50-e6b3-4d9a-aa14-99e727d68c56" xmlns:ns3="8a1b4351-5a51-4d1b-a3ee-7fbf9bbf3e1c" targetNamespace="http://schemas.microsoft.com/office/2006/metadata/properties" ma:root="true" ma:fieldsID="fe0941237aa901c4927ecf164e045144" ns2:_="" ns3:_="">
     <xsd:import namespace="657dac50-e6b3-4d9a-aa14-99e727d68c56"/>
@@ -7121,32 +6962,39 @@
 </ct:contentTypeSchema>
 </file>
 
-<file path=customXml/itemProps1.xml><?xml version="1.0" encoding="utf-8"?>
-<ds:datastoreItem xmlns:ds="http://schemas.openxmlformats.org/officeDocument/2006/customXml" ds:itemID="{58EB4D34-B98D-4359-9812-E088615028CF}">
-  <ds:schemaRefs>
-    <ds:schemaRef ds:uri="http://schemas.microsoft.com/office/2006/documentManagement/types"/>
-    <ds:schemaRef ds:uri="http://schemas.microsoft.com/office/2006/metadata/properties"/>
-    <ds:schemaRef ds:uri="http://purl.org/dc/elements/1.1/"/>
-    <ds:schemaRef ds:uri="http://schemas.openxmlformats.org/package/2006/metadata/core-properties"/>
-    <ds:schemaRef ds:uri="http://purl.org/dc/dcmitype/"/>
-    <ds:schemaRef ds:uri="http://purl.org/dc/terms/"/>
-    <ds:schemaRef ds:uri="http://schemas.microsoft.com/office/infopath/2007/PartnerControls"/>
-    <ds:schemaRef ds:uri="8a1b4351-5a51-4d1b-a3ee-7fbf9bbf3e1c"/>
-    <ds:schemaRef ds:uri="657dac50-e6b3-4d9a-aa14-99e727d68c56"/>
-    <ds:schemaRef ds:uri="http://www.w3.org/XML/1998/namespace"/>
-  </ds:schemaRefs>
-</ds:datastoreItem>
+<file path=customXml/item2.xml><?xml version="1.0" encoding="utf-8"?>
+<?mso-contentType ?>
+<FormTemplates xmlns="http://schemas.microsoft.com/sharepoint/v3/contenttype/forms">
+  <Display>DocumentLibraryForm</Display>
+  <Edit>DocumentLibraryForm</Edit>
+  <New>DocumentLibraryForm</New>
+</FormTemplates>
 </file>
 
-<file path=customXml/itemProps2.xml><?xml version="1.0" encoding="utf-8"?>
-<ds:datastoreItem xmlns:ds="http://schemas.openxmlformats.org/officeDocument/2006/customXml" ds:itemID="{3EC5B55B-D573-436D-94AD-8B84CBE081B4}">
-  <ds:schemaRefs>
-    <ds:schemaRef ds:uri="http://schemas.microsoft.com/sharepoint/v3/contenttype/forms"/>
-  </ds:schemaRefs>
-</ds:datastoreItem>
+<file path=customXml/item3.xml><?xml version="1.0" encoding="utf-8"?>
+<p:properties xmlns:p="http://schemas.microsoft.com/office/2006/metadata/properties" xmlns:xsi="http://www.w3.org/2001/XMLSchema-instance" xmlns:pc="http://schemas.microsoft.com/office/infopath/2007/PartnerControls">
+  <documentManagement>
+    <NGTagNote xmlns="8a1b4351-5a51-4d1b-a3ee-7fbf9bbf3e1c" xsi:nil="true"/>
+    <TaxKeywordTaxHTField xmlns="657dac50-e6b3-4d9a-aa14-99e727d68c56">
+      <Terms xmlns="http://schemas.microsoft.com/office/infopath/2007/PartnerControls"/>
+    </TaxKeywordTaxHTField>
+    <Description0 xmlns="8a1b4351-5a51-4d1b-a3ee-7fbf9bbf3e1c">Knightec PowerPoint template Eng</Description0>
+    <c47c4feb7d7c49288ca0866576b3e5f8 xmlns="8a1b4351-5a51-4d1b-a3ee-7fbf9bbf3e1c">
+      <Terms xmlns="http://schemas.microsoft.com/office/infopath/2007/PartnerControls"/>
+    </c47c4feb7d7c49288ca0866576b3e5f8>
+    <Owner xmlns="8a1b4351-5a51-4d1b-a3ee-7fbf9bbf3e1c">
+      <UserInfo>
+        <DisplayName>Mathias Båth</DisplayName>
+        <AccountId>36</AccountId>
+        <AccountType/>
+      </UserInfo>
+    </Owner>
+    <TaxCatchAll xmlns="657dac50-e6b3-4d9a-aa14-99e727d68c56"/>
+  </documentManagement>
+</p:properties>
 </file>
 
-<file path=customXml/itemProps3.xml><?xml version="1.0" encoding="utf-8"?>
+<file path=customXml/itemProps1.xml><?xml version="1.0" encoding="utf-8"?>
 <ds:datastoreItem xmlns:ds="http://schemas.openxmlformats.org/officeDocument/2006/customXml" ds:itemID="{FA72EF64-AEDC-4B74-A99B-0678AE31C5DE}">
   <ds:schemaRefs>
     <ds:schemaRef ds:uri="http://schemas.microsoft.com/office/2006/metadata/contentType"/>
@@ -7163,4 +7011,29 @@
     <ds:schemaRef ds:uri="http://schemas.microsoft.com/internal/obd"/>
   </ds:schemaRefs>
 </ds:datastoreItem>
+</file>
+
+<file path=customXml/itemProps2.xml><?xml version="1.0" encoding="utf-8"?>
+<ds:datastoreItem xmlns:ds="http://schemas.openxmlformats.org/officeDocument/2006/customXml" ds:itemID="{3EC5B55B-D573-436D-94AD-8B84CBE081B4}">
+  <ds:schemaRefs>
+    <ds:schemaRef ds:uri="http://schemas.microsoft.com/sharepoint/v3/contenttype/forms"/>
+  </ds:schemaRefs>
+</ds:datastoreItem>
+</file>
+
+<file path=customXml/itemProps3.xml><?xml version="1.0" encoding="utf-8"?>
+<ds:datastoreItem xmlns:ds="http://schemas.openxmlformats.org/officeDocument/2006/customXml" ds:itemID="{58EB4D34-B98D-4359-9812-E088615028CF}">
+  <ds:schemaRefs>
+    <ds:schemaRef ds:uri="http://purl.org/dc/terms/"/>
+    <ds:schemaRef ds:uri="http://schemas.microsoft.com/office/2006/documentManagement/types"/>
+    <ds:schemaRef ds:uri="http://schemas.microsoft.com/office/2006/metadata/properties"/>
+    <ds:schemaRef ds:uri="http://purl.org/dc/elements/1.1/"/>
+    <ds:schemaRef ds:uri="http://schemas.openxmlformats.org/package/2006/metadata/core-properties"/>
+    <ds:schemaRef ds:uri="http://schemas.microsoft.com/office/infopath/2007/PartnerControls"/>
+    <ds:schemaRef ds:uri="http://purl.org/dc/dcmitype/"/>
+    <ds:schemaRef ds:uri="8a1b4351-5a51-4d1b-a3ee-7fbf9bbf3e1c"/>
+    <ds:schemaRef ds:uri="657dac50-e6b3-4d9a-aa14-99e727d68c56"/>
+    <ds:schemaRef ds:uri="http://www.w3.org/XML/1998/namespace"/>
+  </ds:schemaRefs>
+</ds:datastoreItem>
 </file>
--- a/foo_cafe_hods_20180614.pptx
+++ b/foo_cafe_hods_20180614.pptx
@@ -15,7 +15,7 @@
     <p:sldId id="293" r:id="rId6"/>
     <p:sldId id="304" r:id="rId7"/>
     <p:sldId id="289" r:id="rId8"/>
-    <p:sldId id="305" r:id="rId9"/>
+    <p:sldId id="307" r:id="rId9"/>
   </p:sldIdLst>
   <p:sldSz cx="12192000" cy="6858000"/>
   <p:notesSz cx="6858000" cy="9144000"/>
@@ -683,7 +683,134 @@
           <a:bodyPr/>
           <a:lstStyle/>
           <a:p>
-            <a:endParaRPr lang="sv-SE" dirty="0"/>
+            <a:r>
+              <a:rPr lang="sv-SE" dirty="0" err="1"/>
+              <a:t>Both</a:t>
+            </a:r>
+            <a:r>
+              <a:rPr lang="sv-SE" dirty="0"/>
+              <a:t> R and </a:t>
+            </a:r>
+            <a:r>
+              <a:rPr lang="sv-SE" dirty="0" err="1"/>
+              <a:t>Python</a:t>
+            </a:r>
+            <a:r>
+              <a:rPr lang="sv-SE" dirty="0"/>
+              <a:t> </a:t>
+            </a:r>
+            <a:r>
+              <a:rPr lang="sv-SE" dirty="0" err="1"/>
+              <a:t>have</a:t>
+            </a:r>
+            <a:r>
+              <a:rPr lang="sv-SE" dirty="0"/>
+              <a:t> </a:t>
+            </a:r>
+            <a:r>
+              <a:rPr lang="sv-SE" dirty="0" err="1"/>
+              <a:t>their</a:t>
+            </a:r>
+            <a:r>
+              <a:rPr lang="sv-SE" dirty="0"/>
+              <a:t> </a:t>
+            </a:r>
+            <a:r>
+              <a:rPr lang="sv-SE" dirty="0" err="1"/>
+              <a:t>advantages</a:t>
+            </a:r>
+            <a:r>
+              <a:rPr lang="sv-SE" dirty="0"/>
+              <a:t>, </a:t>
+            </a:r>
+            <a:r>
+              <a:rPr lang="sv-SE" dirty="0" err="1"/>
+              <a:t>knowing</a:t>
+            </a:r>
+            <a:r>
+              <a:rPr lang="sv-SE" dirty="0"/>
+              <a:t> </a:t>
+            </a:r>
+            <a:r>
+              <a:rPr lang="sv-SE" dirty="0" err="1"/>
+              <a:t>which</a:t>
+            </a:r>
+            <a:r>
+              <a:rPr lang="sv-SE" dirty="0"/>
+              <a:t> </a:t>
+            </a:r>
+            <a:r>
+              <a:rPr lang="sv-SE" dirty="0" err="1"/>
+              <a:t>helps</a:t>
+            </a:r>
+            <a:r>
+              <a:rPr lang="sv-SE" dirty="0"/>
+              <a:t> a Data Scientist </a:t>
+            </a:r>
+            <a:r>
+              <a:rPr lang="sv-SE" dirty="0" err="1"/>
+              <a:t>choosing</a:t>
+            </a:r>
+            <a:r>
+              <a:rPr lang="sv-SE" dirty="0"/>
+              <a:t> the optimal </a:t>
+            </a:r>
+            <a:r>
+              <a:rPr lang="sv-SE" dirty="0" err="1"/>
+              <a:t>tool</a:t>
+            </a:r>
+            <a:r>
+              <a:rPr lang="sv-SE" dirty="0"/>
+              <a:t> for </a:t>
+            </a:r>
+            <a:r>
+              <a:rPr lang="sv-SE" dirty="0" err="1"/>
+              <a:t>each</a:t>
+            </a:r>
+            <a:r>
+              <a:rPr lang="sv-SE" dirty="0"/>
+              <a:t> task. </a:t>
+            </a:r>
+            <a:r>
+              <a:rPr lang="sv-SE" dirty="0" err="1"/>
+              <a:t>Today</a:t>
+            </a:r>
+            <a:r>
+              <a:rPr lang="sv-SE" dirty="0"/>
+              <a:t> </a:t>
+            </a:r>
+            <a:r>
+              <a:rPr lang="sv-SE" dirty="0" err="1"/>
+              <a:t>I’ll</a:t>
+            </a:r>
+            <a:r>
+              <a:rPr lang="sv-SE" dirty="0"/>
+              <a:t> go </a:t>
+            </a:r>
+            <a:r>
+              <a:rPr lang="sv-SE" dirty="0" err="1"/>
+              <a:t>through</a:t>
+            </a:r>
+            <a:r>
+              <a:rPr lang="sv-SE" dirty="0"/>
+              <a:t> parts </a:t>
+            </a:r>
+            <a:r>
+              <a:rPr lang="sv-SE" dirty="0" err="1"/>
+              <a:t>of</a:t>
+            </a:r>
+            <a:r>
+              <a:rPr lang="sv-SE" dirty="0"/>
+              <a:t> the </a:t>
+            </a:r>
+            <a:r>
+              <a:rPr lang="sv-SE" dirty="0" err="1"/>
+              <a:t>tidyverse</a:t>
+            </a:r>
+            <a:r>
+              <a:rPr lang="sv-SE" dirty="0"/>
+              <a:t>.</a:t>
+            </a:r>
           </a:p>
         </p:txBody>
       </p:sp>
@@ -881,7 +1008,7 @@
     </p:spTree>
     <p:extLst>
       <p:ext uri="{BB962C8B-B14F-4D97-AF65-F5344CB8AC3E}">
-        <p14:creationId xmlns:p14="http://schemas.microsoft.com/office/powerpoint/2010/main" val="1455154143"/>
+        <p14:creationId xmlns:p14="http://schemas.microsoft.com/office/powerpoint/2010/main" val="2304871968"/>
       </p:ext>
     </p:extLst>
   </p:cSld>
@@ -4305,7 +4432,34 @@
             </a:r>
             <a:r>
               <a:rPr lang="sv-SE" dirty="0"/>
-              <a:t> from: GITHUB ADDRESS HERE</a:t>
+              <a:t> from: https://github.com/olofgarpinger/hands_on_data_science</a:t>
+            </a:r>
+          </a:p>
+          <a:p>
+            <a:pPr>
+              <a:lnSpc>
+                <a:spcPct val="150000"/>
+              </a:lnSpc>
+            </a:pPr>
+            <a:r>
+              <a:rPr lang="sv-SE" dirty="0"/>
+              <a:t>Make sure the </a:t>
+            </a:r>
+            <a:r>
+              <a:rPr lang="sv-SE" dirty="0" err="1"/>
+              <a:t>files</a:t>
+            </a:r>
+            <a:r>
+              <a:rPr lang="sv-SE" dirty="0"/>
+              <a:t> </a:t>
+            </a:r>
+            <a:r>
+              <a:rPr lang="sv-SE" dirty="0" err="1"/>
+              <a:t>are</a:t>
+            </a:r>
+            <a:r>
+              <a:rPr lang="sv-SE" dirty="0"/>
+              <a:t> in the same folder</a:t>
             </a:r>
           </a:p>
           <a:p>
@@ -4316,11 +4470,19 @@
             </a:pPr>
             <a:r>
               <a:rPr lang="sv-SE" dirty="0"/>
-              <a:t>Make sure the </a:t>
-            </a:r>
-            <a:r>
-              <a:rPr lang="sv-SE" dirty="0" err="1"/>
-              <a:t>files</a:t>
+              <a:t>Note </a:t>
+            </a:r>
+            <a:r>
+              <a:rPr lang="sv-SE" dirty="0" err="1"/>
+              <a:t>that</a:t>
+            </a:r>
+            <a:r>
+              <a:rPr lang="sv-SE" dirty="0"/>
+              <a:t> the presentation </a:t>
+            </a:r>
+            <a:r>
+              <a:rPr lang="sv-SE" dirty="0" err="1"/>
+              <a:t>slides</a:t>
             </a:r>
             <a:r>
               <a:rPr lang="sv-SE" dirty="0"/>
@@ -4332,30 +4494,7 @@
             </a:r>
             <a:r>
               <a:rPr lang="sv-SE" dirty="0"/>
-              <a:t> in the same folder</a:t>
-            </a:r>
-          </a:p>
-          <a:p>
-            <a:pPr marL="742950" lvl="1" indent="-285750">
-              <a:lnSpc>
-                <a:spcPct val="150000"/>
-              </a:lnSpc>
-            </a:pPr>
-            <a:r>
-              <a:rPr lang="sv-SE" dirty="0" err="1"/>
-              <a:t>This</a:t>
-            </a:r>
-            <a:r>
-              <a:rPr lang="sv-SE" dirty="0"/>
-              <a:t> </a:t>
-            </a:r>
-            <a:r>
-              <a:rPr lang="sv-SE" dirty="0" err="1"/>
-              <a:t>evening’s</a:t>
-            </a:r>
-            <a:r>
-              <a:rPr lang="sv-SE" dirty="0"/>
-              <a:t> presentation is </a:t>
+              <a:t> </a:t>
             </a:r>
             <a:r>
               <a:rPr lang="sv-SE" dirty="0" err="1"/>
@@ -5246,7 +5385,7 @@
         <p:spPr>
           <a:xfrm>
             <a:off x="662584" y="1006763"/>
-            <a:ext cx="8080608" cy="3277820"/>
+            <a:ext cx="7913525" cy="3339376"/>
           </a:xfrm>
           <a:prstGeom prst="rect">
             <a:avLst/>
@@ -5555,17 +5694,7 @@
             </a:r>
             <a:r>
               <a:rPr lang="sv-SE" dirty="0"/>
-              <a:t> in ”R For Data Science” (</a:t>
-            </a:r>
-            <a:r>
-              <a:rPr lang="sv-SE" dirty="0">
-                <a:hlinkClick r:id="rId3"/>
-              </a:rPr>
-              <a:t>http://r4ds.had.co.nz/</a:t>
-            </a:r>
-            <a:r>
-              <a:rPr lang="sv-SE" dirty="0"/>
-              <a:t>)</a:t>
+              <a:t> in ”R For Data Science” </a:t>
             </a:r>
           </a:p>
           <a:p>
@@ -5574,28 +5703,26 @@
               <a:buChar char="•"/>
             </a:pPr>
             <a:r>
+              <a:rPr lang="sv-SE" sz="1400" dirty="0" err="1"/>
+              <a:t>Free</a:t>
+            </a:r>
+            <a:r>
               <a:rPr lang="sv-SE" sz="1400" dirty="0"/>
-              <a:t>By </a:t>
+              <a:t> e-</a:t>
             </a:r>
             <a:r>
               <a:rPr lang="sv-SE" sz="1400" dirty="0" err="1"/>
-              <a:t>Hadley</a:t>
+              <a:t>book</a:t>
             </a:r>
             <a:r>
               <a:rPr lang="sv-SE" sz="1400" dirty="0"/>
-              <a:t> </a:t>
-            </a:r>
-            <a:r>
-              <a:rPr lang="sv-SE" sz="1400" dirty="0" err="1"/>
-              <a:t>Wickham</a:t>
-            </a:r>
-            <a:r>
-              <a:rPr lang="sv-SE" sz="1400" dirty="0"/>
-              <a:t>, and Garrett </a:t>
-            </a:r>
-            <a:r>
-              <a:rPr lang="sv-SE" sz="1400" dirty="0" err="1"/>
-              <a:t>Grolemund</a:t>
+              <a:t> at </a:t>
+            </a:r>
+            <a:r>
+              <a:rPr lang="sv-SE" sz="1400" dirty="0">
+                <a:hlinkClick r:id="rId3"/>
+              </a:rPr>
+              <a:t>http://r4ds.had.co.nz/</a:t>
             </a:r>
             <a:endParaRPr lang="sv-SE" sz="1400" dirty="0"/>
           </a:p>
@@ -5771,14 +5898,6 @@
 <file path=ppt/slides/slide5.xml><?xml version="1.0" encoding="utf-8"?>
 <p:sld xmlns:a="http://schemas.openxmlformats.org/drawingml/2006/main" xmlns:r="http://schemas.openxmlformats.org/officeDocument/2006/relationships" xmlns:p="http://schemas.openxmlformats.org/presentationml/2006/main">
   <p:cSld>
-    <p:bg>
-      <p:bgPr>
-        <a:solidFill>
-          <a:schemeClr val="accent1"/>
-        </a:solidFill>
-        <a:effectLst/>
-      </p:bgPr>
-    </p:bg>
     <p:spTree>
       <p:nvGrpSpPr>
         <p:cNvPr id="1" name=""/>
@@ -5795,10 +5914,10 @@
       </p:grpSpPr>
       <p:sp>
         <p:nvSpPr>
-          <p:cNvPr id="7" name="Rubrik 6">
+          <p:cNvPr id="3" name="Rubrik 2">
             <a:extLst>
               <a:ext uri="{FF2B5EF4-FFF2-40B4-BE49-F238E27FC236}">
-                <a16:creationId xmlns:a16="http://schemas.microsoft.com/office/drawing/2014/main" id="{61110B2C-4865-477C-925F-34531AE57838}"/>
+                <a16:creationId xmlns:a16="http://schemas.microsoft.com/office/drawing/2014/main" id="{491FA05C-384C-4DED-9C2B-4BC66E9CD93B}"/>
               </a:ext>
             </a:extLst>
           </p:cNvPr>
@@ -5809,16 +5928,9 @@
             <p:ph type="title"/>
           </p:nvPr>
         </p:nvSpPr>
-        <p:spPr>
-          <a:xfrm>
-            <a:off x="315902" y="461319"/>
-            <a:ext cx="10967291" cy="1012371"/>
-          </a:xfrm>
-        </p:spPr>
+        <p:spPr/>
         <p:txBody>
-          <a:bodyPr>
-            <a:normAutofit/>
-          </a:bodyPr>
+          <a:bodyPr/>
           <a:lstStyle/>
           <a:p>
             <a:r>
@@ -5830,10 +5942,10 @@
       </p:sp>
       <p:grpSp>
         <p:nvGrpSpPr>
-          <p:cNvPr id="2" name="Grupp 1">
+          <p:cNvPr id="6" name="Grupp 5">
             <a:extLst>
               <a:ext uri="{FF2B5EF4-FFF2-40B4-BE49-F238E27FC236}">
-                <a16:creationId xmlns:a16="http://schemas.microsoft.com/office/drawing/2014/main" id="{007F2F2E-8855-4FBC-82F0-F3D9B3F66964}"/>
+                <a16:creationId xmlns:a16="http://schemas.microsoft.com/office/drawing/2014/main" id="{E5D153EE-8595-485B-BE4A-CF7605B79A22}"/>
               </a:ext>
             </a:extLst>
           </p:cNvPr>
@@ -5842,18 +5954,18 @@
         </p:nvGrpSpPr>
         <p:grpSpPr>
           <a:xfrm>
-            <a:off x="2508713" y="976512"/>
-            <a:ext cx="7174574" cy="4904976"/>
+            <a:off x="2508712" y="851388"/>
+            <a:ext cx="7174574" cy="4904982"/>
             <a:chOff x="1110728" y="967504"/>
             <a:chExt cx="6329600" cy="4865379"/>
           </a:xfrm>
         </p:grpSpPr>
         <p:sp>
           <p:nvSpPr>
-            <p:cNvPr id="4" name="textruta 3">
+            <p:cNvPr id="9" name="textruta 8">
               <a:extLst>
                 <a:ext uri="{FF2B5EF4-FFF2-40B4-BE49-F238E27FC236}">
-                  <a16:creationId xmlns:a16="http://schemas.microsoft.com/office/drawing/2014/main" id="{81387CA6-3905-4129-879D-23B88D151429}"/>
+                  <a16:creationId xmlns:a16="http://schemas.microsoft.com/office/drawing/2014/main" id="{D013B92F-5398-4755-83AA-947FD33F4382}"/>
                 </a:ext>
               </a:extLst>
             </p:cNvPr>
@@ -5863,7 +5975,7 @@
           <p:spPr>
             <a:xfrm>
               <a:off x="2385120" y="967504"/>
-              <a:ext cx="3780816" cy="461665"/>
+              <a:ext cx="3780816" cy="427408"/>
             </a:xfrm>
             <a:prstGeom prst="rect">
               <a:avLst/>
@@ -5878,39 +5990,27 @@
             <a:p>
               <a:pPr algn="ctr"/>
               <a:r>
-                <a:rPr lang="sv-SE" sz="2400" b="1" dirty="0" err="1">
-                  <a:solidFill>
-                    <a:schemeClr val="bg1"/>
-                  </a:solidFill>
+                <a:rPr lang="sv-SE" sz="2200" b="1" dirty="0" err="1">
                   <a:ea typeface="Verdana" panose="020B0604030504040204" pitchFamily="34" charset="0"/>
                   <a:cs typeface="Verdana" panose="020B0604030504040204" pitchFamily="34" charset="0"/>
                 </a:rPr>
                 <a:t>Airbnb</a:t>
               </a:r>
               <a:r>
-                <a:rPr lang="sv-SE" sz="2400" b="1" dirty="0">
-                  <a:solidFill>
-                    <a:schemeClr val="bg1"/>
-                  </a:solidFill>
+                <a:rPr lang="sv-SE" sz="2200" b="1" dirty="0">
                   <a:ea typeface="Verdana" panose="020B0604030504040204" pitchFamily="34" charset="0"/>
                   <a:cs typeface="Verdana" panose="020B0604030504040204" pitchFamily="34" charset="0"/>
                 </a:rPr>
                 <a:t> data from </a:t>
               </a:r>
               <a:r>
-                <a:rPr lang="sv-SE" sz="2400" b="1" dirty="0" err="1">
-                  <a:solidFill>
-                    <a:schemeClr val="bg1"/>
-                  </a:solidFill>
+                <a:rPr lang="sv-SE" sz="2200" b="1" dirty="0" err="1">
                   <a:ea typeface="Verdana" panose="020B0604030504040204" pitchFamily="34" charset="0"/>
                   <a:cs typeface="Verdana" panose="020B0604030504040204" pitchFamily="34" charset="0"/>
                 </a:rPr>
                 <a:t>Kaggle</a:t>
               </a:r>
-              <a:endParaRPr lang="sv-SE" sz="2400" b="1" dirty="0">
-                <a:solidFill>
-                  <a:schemeClr val="bg1"/>
-                </a:solidFill>
+              <a:endParaRPr lang="sv-SE" sz="2200" b="1" dirty="0">
                 <a:ea typeface="Verdana" panose="020B0604030504040204" pitchFamily="34" charset="0"/>
                 <a:cs typeface="Verdana" panose="020B0604030504040204" pitchFamily="34" charset="0"/>
               </a:endParaRPr>
@@ -5919,10 +6019,10 @@
         </p:sp>
         <p:pic>
           <p:nvPicPr>
-            <p:cNvPr id="3" name="Bildobjekt 2">
+            <p:cNvPr id="10" name="Bildobjekt 9">
               <a:extLst>
                 <a:ext uri="{FF2B5EF4-FFF2-40B4-BE49-F238E27FC236}">
-                  <a16:creationId xmlns:a16="http://schemas.microsoft.com/office/drawing/2014/main" id="{4023BDA9-DF68-405D-98E6-0642BF68AA8F}"/>
+                  <a16:creationId xmlns:a16="http://schemas.microsoft.com/office/drawing/2014/main" id="{9558382C-49CB-45CD-9996-CBB5C414D3B0}"/>
                 </a:ext>
               </a:extLst>
             </p:cNvPr>
@@ -5948,25 +6048,20 @@
               <a:off x="1110728" y="1628895"/>
               <a:ext cx="6329600" cy="4203988"/>
             </a:xfrm>
-            <a:prstGeom prst="roundRect">
-              <a:avLst>
-                <a:gd name="adj" fmla="val 8594"/>
-              </a:avLst>
+            <a:prstGeom prst="rect">
+              <a:avLst/>
             </a:prstGeom>
-            <a:solidFill>
-              <a:srgbClr val="FFFFFF">
-                <a:shade val="85000"/>
-              </a:srgbClr>
-            </a:solidFill>
-            <a:ln>
-              <a:noFill/>
+            <a:ln w="228600" cap="sq" cmpd="thickThin">
+              <a:solidFill>
+                <a:srgbClr val="000000"/>
+              </a:solidFill>
+              <a:prstDash val="solid"/>
+              <a:miter lim="800000"/>
             </a:ln>
             <a:effectLst>
-              <a:outerShdw blurRad="50800" dist="38100" dir="2700000" algn="tl" rotWithShape="0">
-                <a:prstClr val="black">
-                  <a:alpha val="40000"/>
-                </a:prstClr>
-              </a:outerShdw>
+              <a:innerShdw blurRad="76200">
+                <a:srgbClr val="000000"/>
+              </a:innerShdw>
             </a:effectLst>
           </p:spPr>
         </p:pic>
@@ -5974,7 +6069,7 @@
     </p:spTree>
     <p:extLst>
       <p:ext uri="{BB962C8B-B14F-4D97-AF65-F5344CB8AC3E}">
-        <p14:creationId xmlns:p14="http://schemas.microsoft.com/office/powerpoint/2010/main" val="3096728677"/>
+        <p14:creationId xmlns:p14="http://schemas.microsoft.com/office/powerpoint/2010/main" val="3795388701"/>
       </p:ext>
     </p:extLst>
   </p:cSld>
@@ -7024,13 +7119,13 @@
 <file path=customXml/itemProps3.xml><?xml version="1.0" encoding="utf-8"?>
 <ds:datastoreItem xmlns:ds="http://schemas.openxmlformats.org/officeDocument/2006/customXml" ds:itemID="{58EB4D34-B98D-4359-9812-E088615028CF}">
   <ds:schemaRefs>
-    <ds:schemaRef ds:uri="http://purl.org/dc/terms/"/>
     <ds:schemaRef ds:uri="http://schemas.microsoft.com/office/2006/documentManagement/types"/>
     <ds:schemaRef ds:uri="http://schemas.microsoft.com/office/2006/metadata/properties"/>
     <ds:schemaRef ds:uri="http://purl.org/dc/elements/1.1/"/>
     <ds:schemaRef ds:uri="http://schemas.openxmlformats.org/package/2006/metadata/core-properties"/>
+    <ds:schemaRef ds:uri="http://purl.org/dc/dcmitype/"/>
+    <ds:schemaRef ds:uri="http://purl.org/dc/terms/"/>
     <ds:schemaRef ds:uri="http://schemas.microsoft.com/office/infopath/2007/PartnerControls"/>
-    <ds:schemaRef ds:uri="http://purl.org/dc/dcmitype/"/>
     <ds:schemaRef ds:uri="8a1b4351-5a51-4d1b-a3ee-7fbf9bbf3e1c"/>
     <ds:schemaRef ds:uri="657dac50-e6b3-4d9a-aa14-99e727d68c56"/>
     <ds:schemaRef ds:uri="http://www.w3.org/XML/1998/namespace"/>

--- a/foo_cafe_hods_20180614.pptx
+++ b/foo_cafe_hods_20180614.pptx
@@ -683,134 +683,7 @@
           <a:bodyPr/>
           <a:lstStyle/>
           <a:p>
-            <a:r>
-              <a:rPr lang="sv-SE" dirty="0" err="1"/>
-              <a:t>Both</a:t>
-            </a:r>
-            <a:r>
-              <a:rPr lang="sv-SE" dirty="0"/>
-              <a:t> R and </a:t>
-            </a:r>
-            <a:r>
-              <a:rPr lang="sv-SE" dirty="0" err="1"/>
-              <a:t>Python</a:t>
-            </a:r>
-            <a:r>
-              <a:rPr lang="sv-SE" dirty="0"/>
-              <a:t> </a:t>
-            </a:r>
-            <a:r>
-              <a:rPr lang="sv-SE" dirty="0" err="1"/>
-              <a:t>have</a:t>
-            </a:r>
-            <a:r>
-              <a:rPr lang="sv-SE" dirty="0"/>
-              <a:t> </a:t>
-            </a:r>
-            <a:r>
-              <a:rPr lang="sv-SE" dirty="0" err="1"/>
-              <a:t>their</a:t>
-            </a:r>
-            <a:r>
-              <a:rPr lang="sv-SE" dirty="0"/>
-              <a:t> </a:t>
-            </a:r>
-            <a:r>
-              <a:rPr lang="sv-SE" dirty="0" err="1"/>
-              <a:t>advantages</a:t>
-            </a:r>
-            <a:r>
-              <a:rPr lang="sv-SE" dirty="0"/>
-              <a:t>, </a:t>
-            </a:r>
-            <a:r>
-              <a:rPr lang="sv-SE" dirty="0" err="1"/>
-              <a:t>knowing</a:t>
-            </a:r>
-            <a:r>
-              <a:rPr lang="sv-SE" dirty="0"/>
-              <a:t> </a:t>
-            </a:r>
-            <a:r>
-              <a:rPr lang="sv-SE" dirty="0" err="1"/>
-              <a:t>which</a:t>
-            </a:r>
-            <a:r>
-              <a:rPr lang="sv-SE" dirty="0"/>
-              <a:t> </a:t>
-            </a:r>
-            <a:r>
-              <a:rPr lang="sv-SE" dirty="0" err="1"/>
-              <a:t>helps</a:t>
-            </a:r>
-            <a:r>
-              <a:rPr lang="sv-SE" dirty="0"/>
-              <a:t> a Data Scientist </a:t>
-            </a:r>
-            <a:r>
-              <a:rPr lang="sv-SE" dirty="0" err="1"/>
-              <a:t>choosing</a:t>
-            </a:r>
-            <a:r>
-              <a:rPr lang="sv-SE" dirty="0"/>
-              <a:t> the optimal </a:t>
-            </a:r>
-            <a:r>
-              <a:rPr lang="sv-SE" dirty="0" err="1"/>
-              <a:t>tool</a:t>
-            </a:r>
-            <a:r>
-              <a:rPr lang="sv-SE" dirty="0"/>
-              <a:t> for </a:t>
-            </a:r>
-            <a:r>
-              <a:rPr lang="sv-SE" dirty="0" err="1"/>
-              <a:t>each</a:t>
-            </a:r>
-            <a:r>
-              <a:rPr lang="sv-SE" dirty="0"/>
-              <a:t> task. </a:t>
-            </a:r>
-            <a:r>
-              <a:rPr lang="sv-SE" dirty="0" err="1"/>
-              <a:t>Today</a:t>
-            </a:r>
-            <a:r>
-              <a:rPr lang="sv-SE" dirty="0"/>
-              <a:t> </a:t>
-            </a:r>
-            <a:r>
-              <a:rPr lang="sv-SE" dirty="0" err="1"/>
-              <a:t>I’ll</a:t>
-            </a:r>
-            <a:r>
-              <a:rPr lang="sv-SE" dirty="0"/>
-              <a:t> go </a:t>
-            </a:r>
-            <a:r>
-              <a:rPr lang="sv-SE" dirty="0" err="1"/>
-              <a:t>through</a:t>
-            </a:r>
-            <a:r>
-              <a:rPr lang="sv-SE" dirty="0"/>
-              <a:t> parts </a:t>
-            </a:r>
-            <a:r>
-              <a:rPr lang="sv-SE" dirty="0" err="1"/>
-              <a:t>of</a:t>
-            </a:r>
-            <a:r>
-              <a:rPr lang="sv-SE" dirty="0"/>
-              <a:t> the </a:t>
-            </a:r>
-            <a:r>
-              <a:rPr lang="sv-SE" dirty="0" err="1"/>
-              <a:t>tidyverse</a:t>
-            </a:r>
-            <a:r>
-              <a:rPr lang="sv-SE" dirty="0"/>
-              <a:t>.</a:t>
-            </a:r>
+            <a:endParaRPr lang="sv-SE" dirty="0"/>
           </a:p>
         </p:txBody>
       </p:sp>
@@ -6871,6 +6744,38 @@
 </file>
 
 <file path=customXml/item1.xml><?xml version="1.0" encoding="utf-8"?>
+<p:properties xmlns:p="http://schemas.microsoft.com/office/2006/metadata/properties" xmlns:xsi="http://www.w3.org/2001/XMLSchema-instance" xmlns:pc="http://schemas.microsoft.com/office/infopath/2007/PartnerControls">
+  <documentManagement>
+    <NGTagNote xmlns="8a1b4351-5a51-4d1b-a3ee-7fbf9bbf3e1c" xsi:nil="true"/>
+    <TaxKeywordTaxHTField xmlns="657dac50-e6b3-4d9a-aa14-99e727d68c56">
+      <Terms xmlns="http://schemas.microsoft.com/office/infopath/2007/PartnerControls"/>
+    </TaxKeywordTaxHTField>
+    <Description0 xmlns="8a1b4351-5a51-4d1b-a3ee-7fbf9bbf3e1c">Knightec PowerPoint template Eng</Description0>
+    <c47c4feb7d7c49288ca0866576b3e5f8 xmlns="8a1b4351-5a51-4d1b-a3ee-7fbf9bbf3e1c">
+      <Terms xmlns="http://schemas.microsoft.com/office/infopath/2007/PartnerControls"/>
+    </c47c4feb7d7c49288ca0866576b3e5f8>
+    <Owner xmlns="8a1b4351-5a51-4d1b-a3ee-7fbf9bbf3e1c">
+      <UserInfo>
+        <DisplayName>Mathias Båth</DisplayName>
+        <AccountId>36</AccountId>
+        <AccountType/>
+      </UserInfo>
+    </Owner>
+    <TaxCatchAll xmlns="657dac50-e6b3-4d9a-aa14-99e727d68c56"/>
+  </documentManagement>
+</p:properties>
+</file>
+
+<file path=customXml/item2.xml><?xml version="1.0" encoding="utf-8"?>
+<?mso-contentType ?>
+<FormTemplates xmlns="http://schemas.microsoft.com/sharepoint/v3/contenttype/forms">
+  <Display>DocumentLibraryForm</Display>
+  <Edit>DocumentLibraryForm</Edit>
+  <New>DocumentLibraryForm</New>
+</FormTemplates>
+</file>
+
+<file path=customXml/item3.xml><?xml version="1.0" encoding="utf-8"?>
 <ct:contentTypeSchema xmlns:ct="http://schemas.microsoft.com/office/2006/metadata/contentType" xmlns:ma="http://schemas.microsoft.com/office/2006/metadata/properties/metaAttributes" ct:_="" ma:_="" ma:contentTypeName="Document" ma:contentTypeID="0x0101000086E80CD0DF5645B00E7507B3A3F3E9" ma:contentTypeVersion="8" ma:contentTypeDescription="Create a new document." ma:contentTypeScope="" ma:versionID="7fec4460a72bb2abf99634d83610d3dc">
   <xsd:schema xmlns:xsd="http://www.w3.org/2001/XMLSchema" xmlns:xs="http://www.w3.org/2001/XMLSchema" xmlns:p="http://schemas.microsoft.com/office/2006/metadata/properties" xmlns:ns2="657dac50-e6b3-4d9a-aa14-99e727d68c56" xmlns:ns3="8a1b4351-5a51-4d1b-a3ee-7fbf9bbf3e1c" targetNamespace="http://schemas.microsoft.com/office/2006/metadata/properties" ma:root="true" ma:fieldsID="fe0941237aa901c4927ecf164e045144" ns2:_="" ns3:_="">
     <xsd:import namespace="657dac50-e6b3-4d9a-aa14-99e727d68c56"/>
@@ -7057,39 +6962,32 @@
 </ct:contentTypeSchema>
 </file>
 
-<file path=customXml/item2.xml><?xml version="1.0" encoding="utf-8"?>
-<?mso-contentType ?>
-<FormTemplates xmlns="http://schemas.microsoft.com/sharepoint/v3/contenttype/forms">
-  <Display>DocumentLibraryForm</Display>
-  <Edit>DocumentLibraryForm</Edit>
-  <New>DocumentLibraryForm</New>
-</FormTemplates>
+<file path=customXml/itemProps1.xml><?xml version="1.0" encoding="utf-8"?>
+<ds:datastoreItem xmlns:ds="http://schemas.openxmlformats.org/officeDocument/2006/customXml" ds:itemID="{58EB4D34-B98D-4359-9812-E088615028CF}">
+  <ds:schemaRefs>
+    <ds:schemaRef ds:uri="http://schemas.microsoft.com/office/2006/documentManagement/types"/>
+    <ds:schemaRef ds:uri="http://schemas.microsoft.com/office/2006/metadata/properties"/>
+    <ds:schemaRef ds:uri="http://purl.org/dc/elements/1.1/"/>
+    <ds:schemaRef ds:uri="http://schemas.openxmlformats.org/package/2006/metadata/core-properties"/>
+    <ds:schemaRef ds:uri="http://purl.org/dc/dcmitype/"/>
+    <ds:schemaRef ds:uri="http://purl.org/dc/terms/"/>
+    <ds:schemaRef ds:uri="http://schemas.microsoft.com/office/infopath/2007/PartnerControls"/>
+    <ds:schemaRef ds:uri="8a1b4351-5a51-4d1b-a3ee-7fbf9bbf3e1c"/>
+    <ds:schemaRef ds:uri="657dac50-e6b3-4d9a-aa14-99e727d68c56"/>
+    <ds:schemaRef ds:uri="http://www.w3.org/XML/1998/namespace"/>
+  </ds:schemaRefs>
+</ds:datastoreItem>
 </file>
 
-<file path=customXml/item3.xml><?xml version="1.0" encoding="utf-8"?>
-<p:properties xmlns:p="http://schemas.microsoft.com/office/2006/metadata/properties" xmlns:xsi="http://www.w3.org/2001/XMLSchema-instance" xmlns:pc="http://schemas.microsoft.com/office/infopath/2007/PartnerControls">
-  <documentManagement>
-    <NGTagNote xmlns="8a1b4351-5a51-4d1b-a3ee-7fbf9bbf3e1c" xsi:nil="true"/>
-    <TaxKeywordTaxHTField xmlns="657dac50-e6b3-4d9a-aa14-99e727d68c56">
-      <Terms xmlns="http://schemas.microsoft.com/office/infopath/2007/PartnerControls"/>
-    </TaxKeywordTaxHTField>
-    <Description0 xmlns="8a1b4351-5a51-4d1b-a3ee-7fbf9bbf3e1c">Knightec PowerPoint template Eng</Description0>
-    <c47c4feb7d7c49288ca0866576b3e5f8 xmlns="8a1b4351-5a51-4d1b-a3ee-7fbf9bbf3e1c">
-      <Terms xmlns="http://schemas.microsoft.com/office/infopath/2007/PartnerControls"/>
-    </c47c4feb7d7c49288ca0866576b3e5f8>
-    <Owner xmlns="8a1b4351-5a51-4d1b-a3ee-7fbf9bbf3e1c">
-      <UserInfo>
-        <DisplayName>Mathias Båth</DisplayName>
-        <AccountId>36</AccountId>
-        <AccountType/>
-      </UserInfo>
-    </Owner>
-    <TaxCatchAll xmlns="657dac50-e6b3-4d9a-aa14-99e727d68c56"/>
-  </documentManagement>
-</p:properties>
+<file path=customXml/itemProps2.xml><?xml version="1.0" encoding="utf-8"?>
+<ds:datastoreItem xmlns:ds="http://schemas.openxmlformats.org/officeDocument/2006/customXml" ds:itemID="{3EC5B55B-D573-436D-94AD-8B84CBE081B4}">
+  <ds:schemaRefs>
+    <ds:schemaRef ds:uri="http://schemas.microsoft.com/sharepoint/v3/contenttype/forms"/>
+  </ds:schemaRefs>
+</ds:datastoreItem>
 </file>
 
-<file path=customXml/itemProps1.xml><?xml version="1.0" encoding="utf-8"?>
+<file path=customXml/itemProps3.xml><?xml version="1.0" encoding="utf-8"?>
 <ds:datastoreItem xmlns:ds="http://schemas.openxmlformats.org/officeDocument/2006/customXml" ds:itemID="{FA72EF64-AEDC-4B74-A99B-0678AE31C5DE}">
   <ds:schemaRefs>
     <ds:schemaRef ds:uri="http://schemas.microsoft.com/office/2006/metadata/contentType"/>
@@ -7106,29 +7004,4 @@
     <ds:schemaRef ds:uri="http://schemas.microsoft.com/internal/obd"/>
   </ds:schemaRefs>
 </ds:datastoreItem>
-</file>
-
-<file path=customXml/itemProps2.xml><?xml version="1.0" encoding="utf-8"?>
-<ds:datastoreItem xmlns:ds="http://schemas.openxmlformats.org/officeDocument/2006/customXml" ds:itemID="{3EC5B55B-D573-436D-94AD-8B84CBE081B4}">
-  <ds:schemaRefs>
-    <ds:schemaRef ds:uri="http://schemas.microsoft.com/sharepoint/v3/contenttype/forms"/>
-  </ds:schemaRefs>
-</ds:datastoreItem>
-</file>
-
-<file path=customXml/itemProps3.xml><?xml version="1.0" encoding="utf-8"?>
-<ds:datastoreItem xmlns:ds="http://schemas.openxmlformats.org/officeDocument/2006/customXml" ds:itemID="{58EB4D34-B98D-4359-9812-E088615028CF}">
-  <ds:schemaRefs>
-    <ds:schemaRef ds:uri="http://schemas.microsoft.com/office/2006/documentManagement/types"/>
-    <ds:schemaRef ds:uri="http://schemas.microsoft.com/office/2006/metadata/properties"/>
-    <ds:schemaRef ds:uri="http://purl.org/dc/elements/1.1/"/>
-    <ds:schemaRef ds:uri="http://schemas.openxmlformats.org/package/2006/metadata/core-properties"/>
-    <ds:schemaRef ds:uri="http://purl.org/dc/dcmitype/"/>
-    <ds:schemaRef ds:uri="http://purl.org/dc/terms/"/>
-    <ds:schemaRef ds:uri="http://schemas.microsoft.com/office/infopath/2007/PartnerControls"/>
-    <ds:schemaRef ds:uri="8a1b4351-5a51-4d1b-a3ee-7fbf9bbf3e1c"/>
-    <ds:schemaRef ds:uri="657dac50-e6b3-4d9a-aa14-99e727d68c56"/>
-    <ds:schemaRef ds:uri="http://www.w3.org/XML/1998/namespace"/>
-  </ds:schemaRefs>
-</ds:datastoreItem>
 </file>
--- a/foo_cafe_hods_20180614.pptx
+++ b/foo_cafe_hods_20180614.pptx
@@ -6744,38 +6744,6 @@
 </file>
 
 <file path=customXml/item1.xml><?xml version="1.0" encoding="utf-8"?>
-<p:properties xmlns:p="http://schemas.microsoft.com/office/2006/metadata/properties" xmlns:xsi="http://www.w3.org/2001/XMLSchema-instance" xmlns:pc="http://schemas.microsoft.com/office/infopath/2007/PartnerControls">
-  <documentManagement>
-    <NGTagNote xmlns="8a1b4351-5a51-4d1b-a3ee-7fbf9bbf3e1c" xsi:nil="true"/>
-    <TaxKeywordTaxHTField xmlns="657dac50-e6b3-4d9a-aa14-99e727d68c56">
-      <Terms xmlns="http://schemas.microsoft.com/office/infopath/2007/PartnerControls"/>
-    </TaxKeywordTaxHTField>
-    <Description0 xmlns="8a1b4351-5a51-4d1b-a3ee-7fbf9bbf3e1c">Knightec PowerPoint template Eng</Description0>
-    <c47c4feb7d7c49288ca0866576b3e5f8 xmlns="8a1b4351-5a51-4d1b-a3ee-7fbf9bbf3e1c">
-      <Terms xmlns="http://schemas.microsoft.com/office/infopath/2007/PartnerControls"/>
-    </c47c4feb7d7c49288ca0866576b3e5f8>
-    <Owner xmlns="8a1b4351-5a51-4d1b-a3ee-7fbf9bbf3e1c">
-      <UserInfo>
-        <DisplayName>Mathias Båth</DisplayName>
-        <AccountId>36</AccountId>
-        <AccountType/>
-      </UserInfo>
-    </Owner>
-    <TaxCatchAll xmlns="657dac50-e6b3-4d9a-aa14-99e727d68c56"/>
-  </documentManagement>
-</p:properties>
-</file>
-
-<file path=customXml/item2.xml><?xml version="1.0" encoding="utf-8"?>
-<?mso-contentType ?>
-<FormTemplates xmlns="http://schemas.microsoft.com/sharepoint/v3/contenttype/forms">
-  <Display>DocumentLibraryForm</Display>
-  <Edit>DocumentLibraryForm</Edit>
-  <New>DocumentLibraryForm</New>
-</FormTemplates>
-</file>
-
-<file path=customXml/item3.xml><?xml version="1.0" encoding="utf-8"?>
 <ct:contentTypeSchema xmlns:ct="http://schemas.microsoft.com/office/2006/metadata/contentType" xmlns:ma="http://schemas.microsoft.com/office/2006/metadata/properties/metaAttributes" ct:_="" ma:_="" ma:contentTypeName="Document" ma:contentTypeID="0x0101000086E80CD0DF5645B00E7507B3A3F3E9" ma:contentTypeVersion="8" ma:contentTypeDescription="Create a new document." ma:contentTypeScope="" ma:versionID="7fec4460a72bb2abf99634d83610d3dc">
   <xsd:schema xmlns:xsd="http://www.w3.org/2001/XMLSchema" xmlns:xs="http://www.w3.org/2001/XMLSchema" xmlns:p="http://schemas.microsoft.com/office/2006/metadata/properties" xmlns:ns2="657dac50-e6b3-4d9a-aa14-99e727d68c56" xmlns:ns3="8a1b4351-5a51-4d1b-a3ee-7fbf9bbf3e1c" targetNamespace="http://schemas.microsoft.com/office/2006/metadata/properties" ma:root="true" ma:fieldsID="fe0941237aa901c4927ecf164e045144" ns2:_="" ns3:_="">
     <xsd:import namespace="657dac50-e6b3-4d9a-aa14-99e727d68c56"/>
@@ -6962,32 +6930,39 @@
 </ct:contentTypeSchema>
 </file>
 
-<file path=customXml/itemProps1.xml><?xml version="1.0" encoding="utf-8"?>
-<ds:datastoreItem xmlns:ds="http://schemas.openxmlformats.org/officeDocument/2006/customXml" ds:itemID="{58EB4D34-B98D-4359-9812-E088615028CF}">
-  <ds:schemaRefs>
-    <ds:schemaRef ds:uri="http://schemas.microsoft.com/office/2006/documentManagement/types"/>
-    <ds:schemaRef ds:uri="http://schemas.microsoft.com/office/2006/metadata/properties"/>
-    <ds:schemaRef ds:uri="http://purl.org/dc/elements/1.1/"/>
-    <ds:schemaRef ds:uri="http://schemas.openxmlformats.org/package/2006/metadata/core-properties"/>
-    <ds:schemaRef ds:uri="http://purl.org/dc/dcmitype/"/>
-    <ds:schemaRef ds:uri="http://purl.org/dc/terms/"/>
-    <ds:schemaRef ds:uri="http://schemas.microsoft.com/office/infopath/2007/PartnerControls"/>
-    <ds:schemaRef ds:uri="8a1b4351-5a51-4d1b-a3ee-7fbf9bbf3e1c"/>
-    <ds:schemaRef ds:uri="657dac50-e6b3-4d9a-aa14-99e727d68c56"/>
-    <ds:schemaRef ds:uri="http://www.w3.org/XML/1998/namespace"/>
-  </ds:schemaRefs>
-</ds:datastoreItem>
+<file path=customXml/item2.xml><?xml version="1.0" encoding="utf-8"?>
+<?mso-contentType ?>
+<FormTemplates xmlns="http://schemas.microsoft.com/sharepoint/v3/contenttype/forms">
+  <Display>DocumentLibraryForm</Display>
+  <Edit>DocumentLibraryForm</Edit>
+  <New>DocumentLibraryForm</New>
+</FormTemplates>
 </file>
 
-<file path=customXml/itemProps2.xml><?xml version="1.0" encoding="utf-8"?>
-<ds:datastoreItem xmlns:ds="http://schemas.openxmlformats.org/officeDocument/2006/customXml" ds:itemID="{3EC5B55B-D573-436D-94AD-8B84CBE081B4}">
-  <ds:schemaRefs>
-    <ds:schemaRef ds:uri="http://schemas.microsoft.com/sharepoint/v3/contenttype/forms"/>
-  </ds:schemaRefs>
-</ds:datastoreItem>
+<file path=customXml/item3.xml><?xml version="1.0" encoding="utf-8"?>
+<p:properties xmlns:p="http://schemas.microsoft.com/office/2006/metadata/properties" xmlns:xsi="http://www.w3.org/2001/XMLSchema-instance" xmlns:pc="http://schemas.microsoft.com/office/infopath/2007/PartnerControls">
+  <documentManagement>
+    <NGTagNote xmlns="8a1b4351-5a51-4d1b-a3ee-7fbf9bbf3e1c" xsi:nil="true"/>
+    <TaxKeywordTaxHTField xmlns="657dac50-e6b3-4d9a-aa14-99e727d68c56">
+      <Terms xmlns="http://schemas.microsoft.com/office/infopath/2007/PartnerControls"/>
+    </TaxKeywordTaxHTField>
+    <Description0 xmlns="8a1b4351-5a51-4d1b-a3ee-7fbf9bbf3e1c">Knightec PowerPoint template Eng</Description0>
+    <c47c4feb7d7c49288ca0866576b3e5f8 xmlns="8a1b4351-5a51-4d1b-a3ee-7fbf9bbf3e1c">
+      <Terms xmlns="http://schemas.microsoft.com/office/infopath/2007/PartnerControls"/>
+    </c47c4feb7d7c49288ca0866576b3e5f8>
+    <Owner xmlns="8a1b4351-5a51-4d1b-a3ee-7fbf9bbf3e1c">
+      <UserInfo>
+        <DisplayName>Mathias Båth</DisplayName>
+        <AccountId>36</AccountId>
+        <AccountType/>
+      </UserInfo>
+    </Owner>
+    <TaxCatchAll xmlns="657dac50-e6b3-4d9a-aa14-99e727d68c56"/>
+  </documentManagement>
+</p:properties>
 </file>
 
-<file path=customXml/itemProps3.xml><?xml version="1.0" encoding="utf-8"?>
+<file path=customXml/itemProps1.xml><?xml version="1.0" encoding="utf-8"?>
 <ds:datastoreItem xmlns:ds="http://schemas.openxmlformats.org/officeDocument/2006/customXml" ds:itemID="{FA72EF64-AEDC-4B74-A99B-0678AE31C5DE}">
   <ds:schemaRefs>
     <ds:schemaRef ds:uri="http://schemas.microsoft.com/office/2006/metadata/contentType"/>
@@ -7004,4 +6979,29 @@
     <ds:schemaRef ds:uri="http://schemas.microsoft.com/internal/obd"/>
   </ds:schemaRefs>
 </ds:datastoreItem>
+</file>
+
+<file path=customXml/itemProps2.xml><?xml version="1.0" encoding="utf-8"?>
+<ds:datastoreItem xmlns:ds="http://schemas.openxmlformats.org/officeDocument/2006/customXml" ds:itemID="{3EC5B55B-D573-436D-94AD-8B84CBE081B4}">
+  <ds:schemaRefs>
+    <ds:schemaRef ds:uri="http://schemas.microsoft.com/sharepoint/v3/contenttype/forms"/>
+  </ds:schemaRefs>
+</ds:datastoreItem>
+</file>
+
+<file path=customXml/itemProps3.xml><?xml version="1.0" encoding="utf-8"?>
+<ds:datastoreItem xmlns:ds="http://schemas.openxmlformats.org/officeDocument/2006/customXml" ds:itemID="{58EB4D34-B98D-4359-9812-E088615028CF}">
+  <ds:schemaRefs>
+    <ds:schemaRef ds:uri="http://schemas.microsoft.com/office/2006/documentManagement/types"/>
+    <ds:schemaRef ds:uri="http://schemas.microsoft.com/office/2006/metadata/properties"/>
+    <ds:schemaRef ds:uri="http://purl.org/dc/elements/1.1/"/>
+    <ds:schemaRef ds:uri="http://schemas.openxmlformats.org/package/2006/metadata/core-properties"/>
+    <ds:schemaRef ds:uri="http://purl.org/dc/dcmitype/"/>
+    <ds:schemaRef ds:uri="http://purl.org/dc/terms/"/>
+    <ds:schemaRef ds:uri="http://schemas.microsoft.com/office/infopath/2007/PartnerControls"/>
+    <ds:schemaRef ds:uri="8a1b4351-5a51-4d1b-a3ee-7fbf9bbf3e1c"/>
+    <ds:schemaRef ds:uri="657dac50-e6b3-4d9a-aa14-99e727d68c56"/>
+    <ds:schemaRef ds:uri="http://www.w3.org/XML/1998/namespace"/>
+  </ds:schemaRefs>
+</ds:datastoreItem>
 </file>